--- a/Idea-Presentation-Format-SIH2023-College.pptx
+++ b/Idea-Presentation-Format-SIH2023-College.pptx
@@ -5,35 +5,34 @@
     <p:sldMasterId id="2147483648" r:id="rId1"/>
   </p:sldMasterIdLst>
   <p:notesMasterIdLst>
-    <p:notesMasterId r:id="rId7"/>
+    <p:notesMasterId r:id="rId6"/>
   </p:notesMasterIdLst>
   <p:sldIdLst>
     <p:sldId id="256" r:id="rId2"/>
     <p:sldId id="257" r:id="rId3"/>
     <p:sldId id="258" r:id="rId4"/>
     <p:sldId id="259" r:id="rId5"/>
-    <p:sldId id="260" r:id="rId6"/>
   </p:sldIdLst>
   <p:sldSz cx="12192000" cy="6858000"/>
   <p:notesSz cx="6858000" cy="9144000"/>
   <p:embeddedFontLst>
     <p:embeddedFont>
       <p:font typeface="Calibri" panose="020F0502020204030204" pitchFamily="34" charset="0"/>
-      <p:regular r:id="rId8"/>
-      <p:bold r:id="rId9"/>
-      <p:italic r:id="rId10"/>
-      <p:boldItalic r:id="rId11"/>
+      <p:regular r:id="rId7"/>
+      <p:bold r:id="rId8"/>
+      <p:italic r:id="rId9"/>
+      <p:boldItalic r:id="rId10"/>
     </p:embeddedFont>
     <p:embeddedFont>
       <p:font typeface="Franklin Gothic" panose="020B0604020202020204" charset="0"/>
-      <p:bold r:id="rId12"/>
+      <p:bold r:id="rId11"/>
     </p:embeddedFont>
     <p:embeddedFont>
       <p:font typeface="Libre Franklin" pitchFamily="2" charset="0"/>
-      <p:regular r:id="rId13"/>
-      <p:bold r:id="rId14"/>
-      <p:italic r:id="rId15"/>
-      <p:boldItalic r:id="rId16"/>
+      <p:regular r:id="rId12"/>
+      <p:bold r:id="rId13"/>
+      <p:italic r:id="rId14"/>
+      <p:boldItalic r:id="rId15"/>
     </p:embeddedFont>
   </p:embeddedFontLst>
   <p:defaultTextStyle>
@@ -270,7 +269,7 @@
       <p15:sldGuideLst xmlns:p15="http://schemas.microsoft.com/office/powerpoint/2012/main"/>
     </p:ext>
     <p:ext uri="http://customooxmlschemas.google.com/">
-      <go:slidesCustomData xmlns="" xmlns:mc="http://schemas.openxmlformats.org/markup-compatibility/2006" xmlns:mv="urn:schemas-microsoft-com:mac:vml" xmlns:c="http://schemas.openxmlformats.org/drawingml/2006/chart" xmlns:dgm="http://schemas.openxmlformats.org/drawingml/2006/diagram" xmlns:o="urn:schemas-microsoft-com:office:office" xmlns:v="urn:schemas-microsoft-com:vml" xmlns:pvml="urn:schemas-microsoft-com:office:powerpoint" xmlns:com="http://schemas.openxmlformats.org/drawingml/2006/compatibility" xmlns:p14="http://schemas.microsoft.com/office/powerpoint/2010/main" xmlns:p15="http://schemas.microsoft.com/office/powerpoint/2012/main" xmlns:ahyp="http://schemas.microsoft.com/office/drawing/2018/hyperlinkcolor" xmlns:go="http://customooxmlschemas.google.com/" r:id="rId17" roundtripDataSignature="AMtx7mi1sBDdHb2XsYteFNPHBFMUQvu/sQ=="/>
+      <go:slidesCustomData xmlns:go="http://customooxmlschemas.google.com/" xmlns:ahyp="http://schemas.microsoft.com/office/drawing/2018/hyperlinkcolor" xmlns:p15="http://schemas.microsoft.com/office/powerpoint/2012/main" xmlns:p14="http://schemas.microsoft.com/office/powerpoint/2010/main" xmlns:com="http://schemas.openxmlformats.org/drawingml/2006/compatibility" xmlns:pvml="urn:schemas-microsoft-com:office:powerpoint" xmlns:v="urn:schemas-microsoft-com:vml" xmlns:o="urn:schemas-microsoft-com:office:office" xmlns:dgm="http://schemas.openxmlformats.org/drawingml/2006/diagram" xmlns:c="http://schemas.openxmlformats.org/drawingml/2006/chart" xmlns:mv="urn:schemas-microsoft-com:mac:vml" xmlns:mc="http://schemas.openxmlformats.org/markup-compatibility/2006" xmlns="" r:id="rId17" roundtripDataSignature="AMtx7mi1sBDdHb2XsYteFNPHBFMUQvu/sQ=="/>
     </p:ext>
   </p:extLst>
 </p:presentation>
@@ -1839,110 +1838,6 @@
       <p:sp>
         <p:nvSpPr>
           <p:cNvPr id="235" name="Google Shape;235;p4:notes"/>
-          <p:cNvSpPr>
-            <a:spLocks noGrp="1" noRot="1" noChangeAspect="1"/>
-          </p:cNvSpPr>
-          <p:nvPr>
-            <p:ph type="sldImg" idx="2"/>
-          </p:nvPr>
-        </p:nvSpPr>
-        <p:spPr>
-          <a:xfrm>
-            <a:off x="685800" y="1143000"/>
-            <a:ext cx="5486400" cy="3086100"/>
-          </a:xfrm>
-          <a:custGeom>
-            <a:avLst/>
-            <a:gdLst/>
-            <a:ahLst/>
-            <a:cxnLst/>
-            <a:rect l="l" t="t" r="r" b="b"/>
-            <a:pathLst>
-              <a:path w="120000" h="120000" extrusionOk="0">
-                <a:moveTo>
-                  <a:pt x="0" y="0"/>
-                </a:moveTo>
-                <a:lnTo>
-                  <a:pt x="120000" y="0"/>
-                </a:lnTo>
-                <a:lnTo>
-                  <a:pt x="120000" y="120000"/>
-                </a:lnTo>
-                <a:lnTo>
-                  <a:pt x="0" y="120000"/>
-                </a:lnTo>
-                <a:close/>
-              </a:path>
-            </a:pathLst>
-          </a:custGeom>
-        </p:spPr>
-      </p:sp>
-    </p:spTree>
-  </p:cSld>
-  <p:clrMapOvr>
-    <a:masterClrMapping/>
-  </p:clrMapOvr>
-</p:notes>
-</file>
-
-<file path=ppt/notesSlides/notesSlide5.xml><?xml version="1.0" encoding="utf-8"?>
-<p:notes xmlns:a="http://schemas.openxmlformats.org/drawingml/2006/main" xmlns:r="http://schemas.openxmlformats.org/officeDocument/2006/relationships" xmlns:p="http://schemas.openxmlformats.org/presentationml/2006/main" showMasterSp="0" showMasterPhAnim="0">
-  <p:cSld>
-    <p:spTree>
-      <p:nvGrpSpPr>
-        <p:cNvPr id="1" name="Shape 239"/>
-        <p:cNvGrpSpPr/>
-        <p:nvPr/>
-      </p:nvGrpSpPr>
-      <p:grpSpPr>
-        <a:xfrm>
-          <a:off x="0" y="0"/>
-          <a:ext cx="0" cy="0"/>
-          <a:chOff x="0" y="0"/>
-          <a:chExt cx="0" cy="0"/>
-        </a:xfrm>
-      </p:grpSpPr>
-      <p:sp>
-        <p:nvSpPr>
-          <p:cNvPr id="240" name="Google Shape;240;p5:notes"/>
-          <p:cNvSpPr txBox="1">
-            <a:spLocks noGrp="1"/>
-          </p:cNvSpPr>
-          <p:nvPr>
-            <p:ph type="body" idx="1"/>
-          </p:nvPr>
-        </p:nvSpPr>
-        <p:spPr>
-          <a:xfrm>
-            <a:off x="685800" y="4400550"/>
-            <a:ext cx="5486400" cy="3600450"/>
-          </a:xfrm>
-          <a:prstGeom prst="rect">
-            <a:avLst/>
-          </a:prstGeom>
-        </p:spPr>
-        <p:txBody>
-          <a:bodyPr spcFirstLastPara="1" wrap="square" lIns="91425" tIns="45700" rIns="91425" bIns="45700" anchor="t" anchorCtr="0">
-            <a:noAutofit/>
-          </a:bodyPr>
-          <a:lstStyle/>
-          <a:p>
-            <a:pPr marL="0" lvl="0" indent="0" algn="l" rtl="0">
-              <a:spcBef>
-                <a:spcPts val="0"/>
-              </a:spcBef>
-              <a:spcAft>
-                <a:spcPts val="0"/>
-              </a:spcAft>
-              <a:buNone/>
-            </a:pPr>
-            <a:endParaRPr/>
-          </a:p>
-        </p:txBody>
-      </p:sp>
-      <p:sp>
-        <p:nvSpPr>
-          <p:cNvPr id="241" name="Google Shape;241;p5:notes"/>
           <p:cNvSpPr>
             <a:spLocks noGrp="1" noRot="1" noChangeAspect="1"/>
           </p:cNvSpPr>
@@ -24418,6 +24313,18 @@
             <a:r>
               <a:rPr lang="en-US" dirty="0">
                 <a:solidFill>
+                  <a:schemeClr val="tx2"/>
+                </a:solidFill>
+                <a:latin typeface="Franklin Gothic"/>
+                <a:ea typeface="Franklin Gothic"/>
+                <a:cs typeface="Franklin Gothic"/>
+                <a:sym typeface="Franklin Gothic"/>
+              </a:rPr>
+              <a:t>PS Code</a:t>
+            </a:r>
+            <a:r>
+              <a:rPr lang="en-US" dirty="0">
+                <a:solidFill>
                   <a:schemeClr val="tx1"/>
                 </a:solidFill>
                 <a:latin typeface="Franklin Gothic"/>
@@ -24425,7 +24332,7 @@
                 <a:cs typeface="Franklin Gothic"/>
                 <a:sym typeface="Franklin Gothic"/>
               </a:rPr>
-              <a:t>PS Code:SIH1293</a:t>
+              <a:t>:SIH1293</a:t>
             </a:r>
             <a:endParaRPr dirty="0">
               <a:solidFill>
@@ -24632,7 +24539,23 @@
               </a:rPr>
               <a:t>Institute Code (AISHE): </a:t>
             </a:r>
-            <a:endParaRPr dirty="0"/>
+            <a:r>
+              <a:rPr lang="en-US" dirty="0">
+                <a:solidFill>
+                  <a:schemeClr val="tx1"/>
+                </a:solidFill>
+                <a:latin typeface="Franklin Gothic"/>
+                <a:ea typeface="Franklin Gothic"/>
+                <a:cs typeface="Franklin Gothic"/>
+                <a:sym typeface="Franklin Gothic"/>
+              </a:rPr>
+              <a:t>U-0186</a:t>
+            </a:r>
+            <a:endParaRPr dirty="0">
+              <a:solidFill>
+                <a:schemeClr val="tx1"/>
+              </a:solidFill>
+            </a:endParaRPr>
           </a:p>
           <a:p>
             <a:pPr marL="0" lvl="0" indent="0" algn="l" rtl="0">
@@ -24821,7 +24744,7 @@
         </p:nvSpPr>
         <p:spPr>
           <a:xfrm>
-            <a:off x="964023" y="879063"/>
+            <a:off x="971550" y="445430"/>
             <a:ext cx="5534431" cy="610863"/>
           </a:xfrm>
           <a:prstGeom prst="rect">
@@ -24834,7 +24757,7 @@
         </p:spPr>
         <p:txBody>
           <a:bodyPr spcFirstLastPara="1" wrap="square" lIns="0" tIns="0" rIns="0" bIns="0" anchor="b" anchorCtr="0">
-            <a:normAutofit fontScale="90000"/>
+            <a:normAutofit/>
           </a:bodyPr>
           <a:lstStyle/>
           <a:p>
@@ -24875,8 +24798,8 @@
         </p:nvSpPr>
         <p:spPr>
           <a:xfrm>
-            <a:off x="971550" y="2289363"/>
-            <a:ext cx="6024054" cy="2877441"/>
+            <a:off x="971550" y="2053693"/>
+            <a:ext cx="6024054" cy="4669472"/>
           </a:xfrm>
           <a:prstGeom prst="rect">
             <a:avLst/>
@@ -24924,40 +24847,138 @@
                 <a:cs typeface="Franklin Gothic"/>
                 <a:sym typeface="Franklin Gothic"/>
               </a:rPr>
-              <a:t>Describe your idea/Solution/Prototype here:</a:t>
+              <a:t>Idea and Solution:</a:t>
             </a:r>
-            <a:endParaRPr dirty="0"/>
           </a:p>
           <a:p>
-            <a:pPr marL="285750" lvl="0" indent="-285750" algn="l" rtl="0">
+            <a:pPr marL="0" lvl="0" indent="0" algn="l" rtl="0">
               <a:lnSpc>
                 <a:spcPct val="100000"/>
               </a:lnSpc>
               <a:spcBef>
-                <a:spcPts val="1000"/>
-              </a:spcBef>
-              <a:spcAft>
-                <a:spcPts val="0"/>
-              </a:spcAft>
-              <a:buClr>
-                <a:schemeClr val="dk1"/>
-              </a:buClr>
-              <a:buSzPts val="1600"/>
-              <a:buFont typeface="Noto Sans Symbols"/>
-              <a:buChar char="⮚"/>
+                <a:spcPts val="0"/>
+              </a:spcBef>
+              <a:spcAft>
+                <a:spcPts val="0"/>
+              </a:spcAft>
+              <a:buClr>
+                <a:schemeClr val="lt2"/>
+              </a:buClr>
+              <a:buSzPts val="1800"/>
+              <a:buNone/>
             </a:pPr>
             <a:r>
-              <a:rPr lang="en-US" dirty="0"/>
-              <a:t> </a:t>
+              <a:rPr lang="en-US" sz="1800" dirty="0">
+                <a:solidFill>
+                  <a:schemeClr val="lt2"/>
+                </a:solidFill>
+                <a:latin typeface="Franklin Gothic"/>
+                <a:ea typeface="Franklin Gothic"/>
+                <a:cs typeface="Franklin Gothic"/>
+                <a:sym typeface="Franklin Gothic"/>
+                <a:hlinkClick r:id="rId3"/>
+              </a:rPr>
+              <a:t>https://github.com/shambhavi12345/HydroLogic.git</a:t>
             </a:r>
-            <a:endParaRPr dirty="0"/>
+            <a:endParaRPr lang="en-US" sz="1800" dirty="0">
+              <a:solidFill>
+                <a:schemeClr val="lt2"/>
+              </a:solidFill>
+              <a:latin typeface="Franklin Gothic"/>
+              <a:ea typeface="Franklin Gothic"/>
+              <a:cs typeface="Franklin Gothic"/>
+              <a:sym typeface="Franklin Gothic"/>
+            </a:endParaRPr>
           </a:p>
           <a:p>
-            <a:pPr marL="285750" lvl="0" indent="-184150" algn="l" rtl="0">
+            <a:pPr marL="0" lvl="0" indent="0" algn="l" rtl="0">
               <a:lnSpc>
                 <a:spcPct val="100000"/>
               </a:lnSpc>
               <a:spcBef>
+                <a:spcPts val="0"/>
+              </a:spcBef>
+              <a:spcAft>
+                <a:spcPts val="0"/>
+              </a:spcAft>
+              <a:buClr>
+                <a:schemeClr val="lt2"/>
+              </a:buClr>
+              <a:buSzPts val="1800"/>
+              <a:buNone/>
+            </a:pPr>
+            <a:endParaRPr lang="en-US" sz="1800" dirty="0">
+              <a:solidFill>
+                <a:schemeClr val="lt2"/>
+              </a:solidFill>
+              <a:latin typeface="Franklin Gothic"/>
+              <a:ea typeface="Franklin Gothic"/>
+              <a:cs typeface="Franklin Gothic"/>
+              <a:sym typeface="Franklin Gothic"/>
+            </a:endParaRPr>
+          </a:p>
+          <a:p>
+            <a:pPr marL="0" lvl="0" indent="0" algn="l" rtl="0">
+              <a:lnSpc>
+                <a:spcPct val="100000"/>
+              </a:lnSpc>
+              <a:spcBef>
+                <a:spcPts val="0"/>
+              </a:spcBef>
+              <a:spcAft>
+                <a:spcPts val="0"/>
+              </a:spcAft>
+              <a:buClr>
+                <a:schemeClr val="lt2"/>
+              </a:buClr>
+              <a:buSzPts val="1800"/>
+              <a:buNone/>
+            </a:pPr>
+            <a:endParaRPr lang="en-US" sz="1800" dirty="0">
+              <a:solidFill>
+                <a:schemeClr val="lt2"/>
+              </a:solidFill>
+              <a:latin typeface="Franklin Gothic"/>
+              <a:ea typeface="Franklin Gothic"/>
+              <a:cs typeface="Franklin Gothic"/>
+              <a:sym typeface="Franklin Gothic"/>
+            </a:endParaRPr>
+          </a:p>
+          <a:p>
+            <a:pPr marL="0" indent="0">
+              <a:spcBef>
+                <a:spcPts val="0"/>
+              </a:spcBef>
+              <a:buClr>
+                <a:schemeClr val="lt2"/>
+              </a:buClr>
+              <a:buSzPts val="1800"/>
+            </a:pPr>
+            <a:r>
+              <a:rPr lang="en-US" b="1" dirty="0">
+                <a:solidFill>
+                  <a:schemeClr val="tx1"/>
+                </a:solidFill>
+                <a:latin typeface="Libre Franklin" pitchFamily="2" charset="0"/>
+                <a:ea typeface="Franklin Gothic"/>
+                <a:cs typeface="Franklin Gothic"/>
+                <a:sym typeface="Franklin Gothic"/>
+              </a:rPr>
+              <a:t>Use of AI to implement automatic valve management  for water release based on the presence of soil moisture and crop recommendation on the basis of present physical factors.</a:t>
+            </a:r>
+            <a:endParaRPr b="1" dirty="0">
+              <a:solidFill>
+                <a:schemeClr val="tx1"/>
+              </a:solidFill>
+              <a:latin typeface="Libre Franklin" pitchFamily="2" charset="0"/>
+            </a:endParaRPr>
+          </a:p>
+          <a:p>
+            <a:pPr marL="387350" lvl="0" indent="-285750" algn="l" rtl="0">
+              <a:lnSpc>
+                <a:spcPct val="100000"/>
+              </a:lnSpc>
+              <a:spcBef>
                 <a:spcPts val="1000"/>
               </a:spcBef>
               <a:spcAft>
@@ -24967,8 +24988,217 @@
                 <a:schemeClr val="dk1"/>
               </a:buClr>
               <a:buSzPts val="1600"/>
-              <a:buFont typeface="Noto Sans Symbols"/>
-              <a:buNone/>
+              <a:buFont typeface="Wingdings" panose="05000000000000000000" pitchFamily="2" charset="2"/>
+              <a:buChar char="Ø"/>
+            </a:pPr>
+            <a:r>
+              <a:rPr lang="en-IN" dirty="0">
+                <a:latin typeface="Libre Franklin" pitchFamily="2" charset="0"/>
+              </a:rPr>
+              <a:t>Use of </a:t>
+            </a:r>
+            <a:r>
+              <a:rPr lang="en-IN" b="1" dirty="0">
+                <a:latin typeface="Libre Franklin" pitchFamily="2" charset="0"/>
+              </a:rPr>
+              <a:t>micro-controllers</a:t>
+            </a:r>
+            <a:r>
+              <a:rPr lang="en-IN" dirty="0">
+                <a:latin typeface="Libre Franklin" pitchFamily="2" charset="0"/>
+              </a:rPr>
+              <a:t> and </a:t>
+            </a:r>
+            <a:r>
+              <a:rPr lang="en-IN" b="1" dirty="0">
+                <a:latin typeface="Libre Franklin" pitchFamily="2" charset="0"/>
+              </a:rPr>
+              <a:t>sensors </a:t>
+            </a:r>
+            <a:r>
+              <a:rPr lang="en-IN" dirty="0">
+                <a:latin typeface="Libre Franklin" pitchFamily="2" charset="0"/>
+              </a:rPr>
+              <a:t>to fetch the data</a:t>
+            </a:r>
+          </a:p>
+          <a:p>
+            <a:pPr marL="387350" lvl="0" indent="-285750" algn="l" rtl="0">
+              <a:lnSpc>
+                <a:spcPct val="100000"/>
+              </a:lnSpc>
+              <a:spcBef>
+                <a:spcPts val="1000"/>
+              </a:spcBef>
+              <a:spcAft>
+                <a:spcPts val="0"/>
+              </a:spcAft>
+              <a:buClr>
+                <a:schemeClr val="dk1"/>
+              </a:buClr>
+              <a:buSzPts val="1600"/>
+              <a:buFont typeface="Wingdings" panose="05000000000000000000" pitchFamily="2" charset="2"/>
+              <a:buChar char="Ø"/>
+            </a:pPr>
+            <a:r>
+              <a:rPr lang="en-IN" dirty="0">
+                <a:latin typeface="Libre Franklin" pitchFamily="2" charset="0"/>
+              </a:rPr>
+              <a:t>Transfer the data to cloud(</a:t>
+            </a:r>
+            <a:r>
+              <a:rPr lang="en-IN" b="1" dirty="0" err="1">
+                <a:latin typeface="Libre Franklin" pitchFamily="2" charset="0"/>
+              </a:rPr>
+              <a:t>ThinkSpeak</a:t>
+            </a:r>
+            <a:r>
+              <a:rPr lang="en-IN" dirty="0">
+                <a:latin typeface="Libre Franklin" pitchFamily="2" charset="0"/>
+              </a:rPr>
+              <a:t>) using Wi-fi</a:t>
+            </a:r>
+          </a:p>
+          <a:p>
+            <a:pPr marL="387350" lvl="0" indent="-285750" algn="l" rtl="0">
+              <a:lnSpc>
+                <a:spcPct val="100000"/>
+              </a:lnSpc>
+              <a:spcBef>
+                <a:spcPts val="1000"/>
+              </a:spcBef>
+              <a:spcAft>
+                <a:spcPts val="0"/>
+              </a:spcAft>
+              <a:buClr>
+                <a:schemeClr val="dk1"/>
+              </a:buClr>
+              <a:buSzPts val="1600"/>
+              <a:buFont typeface="Wingdings" panose="05000000000000000000" pitchFamily="2" charset="2"/>
+              <a:buChar char="Ø"/>
+            </a:pPr>
+            <a:r>
+              <a:rPr lang="en-IN" dirty="0">
+                <a:latin typeface="Libre Franklin" pitchFamily="2" charset="0"/>
+              </a:rPr>
+              <a:t>Further transferring the data to </a:t>
+            </a:r>
+            <a:r>
+              <a:rPr lang="en-IN" dirty="0" err="1">
+                <a:latin typeface="Libre Franklin" pitchFamily="2" charset="0"/>
+              </a:rPr>
+              <a:t>colab</a:t>
+            </a:r>
+            <a:r>
+              <a:rPr lang="en-IN" dirty="0">
+                <a:latin typeface="Libre Franklin" pitchFamily="2" charset="0"/>
+              </a:rPr>
+              <a:t> for ML </a:t>
+            </a:r>
+            <a:r>
+              <a:rPr lang="en-IN" b="1" dirty="0">
+                <a:latin typeface="Libre Franklin" pitchFamily="2" charset="0"/>
+              </a:rPr>
+              <a:t>model building and training </a:t>
+            </a:r>
+          </a:p>
+          <a:p>
+            <a:pPr marL="387350" lvl="0" indent="-285750" algn="l" rtl="0">
+              <a:lnSpc>
+                <a:spcPct val="100000"/>
+              </a:lnSpc>
+              <a:spcBef>
+                <a:spcPts val="1000"/>
+              </a:spcBef>
+              <a:spcAft>
+                <a:spcPts val="0"/>
+              </a:spcAft>
+              <a:buClr>
+                <a:schemeClr val="dk1"/>
+              </a:buClr>
+              <a:buSzPts val="1600"/>
+              <a:buFont typeface="Wingdings" panose="05000000000000000000" pitchFamily="2" charset="2"/>
+              <a:buChar char="Ø"/>
+            </a:pPr>
+            <a:r>
+              <a:rPr lang="en-IN" dirty="0">
+                <a:latin typeface="Libre Franklin" pitchFamily="2" charset="0"/>
+              </a:rPr>
+              <a:t>Crop recommendation using </a:t>
+            </a:r>
+            <a:r>
+              <a:rPr lang="en-IN" b="1" dirty="0">
+                <a:latin typeface="Libre Franklin" pitchFamily="2" charset="0"/>
+              </a:rPr>
+              <a:t>Random Forest classifier </a:t>
+            </a:r>
+            <a:r>
+              <a:rPr lang="en-IN" dirty="0">
+                <a:latin typeface="Libre Franklin" pitchFamily="2" charset="0"/>
+              </a:rPr>
+              <a:t>and valve regulation using </a:t>
+            </a:r>
+            <a:r>
+              <a:rPr lang="en-IN" b="1" dirty="0" err="1">
+                <a:latin typeface="Libre Franklin" pitchFamily="2" charset="0"/>
+              </a:rPr>
+              <a:t>XGBoost</a:t>
+            </a:r>
+            <a:r>
+              <a:rPr lang="en-IN" b="1" dirty="0">
+                <a:latin typeface="Libre Franklin" pitchFamily="2" charset="0"/>
+              </a:rPr>
+              <a:t> model</a:t>
+            </a:r>
+          </a:p>
+          <a:p>
+            <a:pPr marL="387350" lvl="0" indent="-285750" algn="l" rtl="0">
+              <a:lnSpc>
+                <a:spcPct val="100000"/>
+              </a:lnSpc>
+              <a:spcBef>
+                <a:spcPts val="1000"/>
+              </a:spcBef>
+              <a:spcAft>
+                <a:spcPts val="0"/>
+              </a:spcAft>
+              <a:buClr>
+                <a:schemeClr val="dk1"/>
+              </a:buClr>
+              <a:buSzPts val="1600"/>
+              <a:buFont typeface="Wingdings" panose="05000000000000000000" pitchFamily="2" charset="2"/>
+              <a:buChar char="Ø"/>
+            </a:pPr>
+            <a:r>
+              <a:rPr lang="en-IN" dirty="0">
+                <a:latin typeface="Libre Franklin" pitchFamily="2" charset="0"/>
+              </a:rPr>
+              <a:t>Web deployment of the crop recommender using </a:t>
+            </a:r>
+            <a:r>
+              <a:rPr lang="en-IN" b="1" dirty="0">
+                <a:latin typeface="Libre Franklin" pitchFamily="2" charset="0"/>
+              </a:rPr>
+              <a:t>Flask and HTML/CSS</a:t>
+            </a:r>
+          </a:p>
+          <a:p>
+            <a:pPr marL="387350" lvl="0" indent="-285750" algn="l" rtl="0">
+              <a:lnSpc>
+                <a:spcPct val="100000"/>
+              </a:lnSpc>
+              <a:spcBef>
+                <a:spcPts val="1000"/>
+              </a:spcBef>
+              <a:spcAft>
+                <a:spcPts val="0"/>
+              </a:spcAft>
+              <a:buClr>
+                <a:schemeClr val="dk1"/>
+              </a:buClr>
+              <a:buSzPts val="1600"/>
+              <a:buFont typeface="Wingdings" panose="05000000000000000000" pitchFamily="2" charset="2"/>
+              <a:buChar char="Ø"/>
             </a:pPr>
             <a:endParaRPr dirty="0"/>
           </a:p>
@@ -25022,95 +25252,14 @@
       </p:sp>
       <p:sp>
         <p:nvSpPr>
-          <p:cNvPr id="220" name="Google Shape;220;p2"/>
-          <p:cNvSpPr>
-            <a:spLocks noGrp="1"/>
-          </p:cNvSpPr>
-          <p:nvPr>
-            <p:ph type="pic" idx="2"/>
-          </p:nvPr>
-        </p:nvSpPr>
-        <p:spPr>
-          <a:xfrm>
-            <a:off x="7378575" y="144261"/>
-            <a:ext cx="4689138" cy="3451543"/>
-          </a:xfrm>
-          <a:prstGeom prst="rect">
-            <a:avLst/>
-          </a:prstGeom>
-          <a:noFill/>
-          <a:ln>
-            <a:noFill/>
-          </a:ln>
-        </p:spPr>
-        <p:txBody>
-          <a:bodyPr/>
-          <a:lstStyle/>
-          <a:p>
-            <a:endParaRPr lang="en-IN" dirty="0"/>
-          </a:p>
-        </p:txBody>
-      </p:sp>
-      <p:sp>
-        <p:nvSpPr>
-          <p:cNvPr id="221" name="Google Shape;221;p2"/>
-          <p:cNvSpPr txBox="1"/>
-          <p:nvPr/>
-        </p:nvSpPr>
-        <p:spPr>
-          <a:xfrm>
-            <a:off x="7378575" y="2118476"/>
-            <a:ext cx="4689138" cy="923330"/>
-          </a:xfrm>
-          <a:prstGeom prst="rect">
-            <a:avLst/>
-          </a:prstGeom>
-          <a:noFill/>
-          <a:ln>
-            <a:noFill/>
-          </a:ln>
-        </p:spPr>
-        <p:txBody>
-          <a:bodyPr spcFirstLastPara="1" wrap="square" lIns="91425" tIns="45700" rIns="91425" bIns="45700" anchor="t" anchorCtr="0">
-            <a:spAutoFit/>
-          </a:bodyPr>
-          <a:lstStyle/>
-          <a:p>
-            <a:pPr marL="0" marR="0" lvl="0" indent="0" algn="ctr" rtl="0">
-              <a:spcBef>
-                <a:spcPts val="0"/>
-              </a:spcBef>
-              <a:spcAft>
-                <a:spcPts val="0"/>
-              </a:spcAft>
-              <a:buNone/>
-            </a:pPr>
-            <a:r>
-              <a:rPr lang="en-US" sz="1800" dirty="0">
-                <a:solidFill>
-                  <a:schemeClr val="lt2"/>
-                </a:solidFill>
-                <a:latin typeface="Franklin Gothic"/>
-                <a:ea typeface="Franklin Gothic"/>
-                <a:cs typeface="Franklin Gothic"/>
-                <a:sym typeface="Franklin Gothic"/>
-              </a:rPr>
-              <a:t>Add process flow chart or simulated image of prototype or any relevant image related to your idea</a:t>
-            </a:r>
-            <a:endParaRPr dirty="0"/>
-          </a:p>
-        </p:txBody>
-      </p:sp>
-      <p:sp>
-        <p:nvSpPr>
           <p:cNvPr id="222" name="Google Shape;222;p2"/>
           <p:cNvSpPr txBox="1"/>
           <p:nvPr/>
         </p:nvSpPr>
         <p:spPr>
           <a:xfrm>
-            <a:off x="7378575" y="3820783"/>
-            <a:ext cx="4572001" cy="2759088"/>
+            <a:off x="7265454" y="3563834"/>
+            <a:ext cx="4689138" cy="3159331"/>
           </a:xfrm>
           <a:prstGeom prst="rect">
             <a:avLst/>
@@ -25159,7 +25308,7 @@
                 <a:cs typeface="Franklin Gothic"/>
                 <a:sym typeface="Franklin Gothic"/>
               </a:rPr>
-              <a:t>Describe your Technology stack here</a:t>
+              <a:t>Technology stack</a:t>
             </a:r>
             <a:r>
               <a:rPr lang="en-US" sz="1600" b="0" i="0" dirty="0">
@@ -25388,9 +25537,40 @@
               <a:rPr lang="en-IN" sz="1600" dirty="0">
                 <a:latin typeface="Libre Franklin" pitchFamily="2" charset="0"/>
               </a:rPr>
-              <a:t>Soil Moisture Sensor,DHT-22 sensor, Rain sensor, Microcontroller ESP-32,ThinkSpeak-</a:t>
+              <a:t>Soil Moisture Sensor,DHT-22 sensor, Rain sensor, Microcontroller ESP-32,ThinkSpeak-IoT and Cloud services</a:t>
             </a:r>
-            <a:endParaRPr sz="1600" dirty="0">
+          </a:p>
+          <a:p>
+            <a:pPr marL="285750" marR="0" lvl="0" indent="-285750" algn="l" rtl="0">
+              <a:lnSpc>
+                <a:spcPct val="100000"/>
+              </a:lnSpc>
+              <a:spcBef>
+                <a:spcPts val="1000"/>
+              </a:spcBef>
+              <a:spcAft>
+                <a:spcPts val="0"/>
+              </a:spcAft>
+              <a:buClr>
+                <a:schemeClr val="dk1"/>
+              </a:buClr>
+              <a:buSzPts val="1600"/>
+              <a:buFont typeface="Noto Sans Symbols"/>
+              <a:buChar char="⮚"/>
+            </a:pPr>
+            <a:r>
+              <a:rPr lang="en-IN" sz="1600" dirty="0">
+                <a:latin typeface="Libre Franklin" pitchFamily="2" charset="0"/>
+              </a:rPr>
+              <a:t>Flask, HTML/CSS- </a:t>
+            </a:r>
+            <a:r>
+              <a:rPr lang="en-IN" sz="1600" b="1" dirty="0">
+                <a:latin typeface="Libre Franklin" pitchFamily="2" charset="0"/>
+              </a:rPr>
+              <a:t>for web deployment </a:t>
+            </a:r>
+            <a:endParaRPr sz="1600" b="1" dirty="0">
               <a:latin typeface="Libre Franklin" pitchFamily="2" charset="0"/>
             </a:endParaRPr>
           </a:p>
@@ -25424,6 +25604,35 @@
           </a:p>
         </p:txBody>
       </p:sp>
+      <p:pic>
+        <p:nvPicPr>
+          <p:cNvPr id="13" name="Picture 12">
+            <a:extLst>
+              <a:ext uri="{FF2B5EF4-FFF2-40B4-BE49-F238E27FC236}">
+                <a16:creationId xmlns:a16="http://schemas.microsoft.com/office/drawing/2014/main" id="{27563777-2739-E5E7-08AC-15D2525D1E24}"/>
+              </a:ext>
+            </a:extLst>
+          </p:cNvPr>
+          <p:cNvPicPr>
+            <a:picLocks noChangeAspect="1"/>
+          </p:cNvPicPr>
+          <p:nvPr/>
+        </p:nvPicPr>
+        <p:blipFill rotWithShape="1">
+          <a:blip r:embed="rId4"/>
+          <a:srcRect l="40169" t="35326" r="19587" b="35457"/>
+          <a:stretch/>
+        </p:blipFill>
+        <p:spPr>
+          <a:xfrm>
+            <a:off x="7117236" y="445430"/>
+            <a:ext cx="5074763" cy="2848736"/>
+          </a:xfrm>
+          <a:prstGeom prst="rect">
+            <a:avLst/>
+          </a:prstGeom>
+        </p:spPr>
+      </p:pic>
     </p:spTree>
   </p:cSld>
   <p:clrMapOvr>
@@ -25474,7 +25683,7 @@
         </p:spPr>
         <p:txBody>
           <a:bodyPr spcFirstLastPara="1" wrap="square" lIns="0" tIns="0" rIns="0" bIns="0" anchor="b" anchorCtr="0">
-            <a:normAutofit fontScale="90000"/>
+            <a:normAutofit/>
           </a:bodyPr>
           <a:lstStyle/>
           <a:p>
@@ -25550,7 +25759,7 @@
             </a:pPr>
             <a:r>
               <a:rPr lang="en-US" sz="1800" dirty="0"/>
-              <a:t>Describe your Use Cases here</a:t>
+              <a:t>Use Cases</a:t>
             </a:r>
             <a:endParaRPr dirty="0"/>
           </a:p>
@@ -25995,7 +26204,7 @@
                 <a:cs typeface="Franklin Gothic"/>
                 <a:sym typeface="Franklin Gothic"/>
               </a:rPr>
-              <a:t>Describe your Dependencies / Show stopper here</a:t>
+              <a:t>Dependencies / Show stopper</a:t>
             </a:r>
             <a:endParaRPr dirty="0"/>
           </a:p>
@@ -26748,406 +26957,6 @@
               <a:buSzPts val="1200"/>
               <a:buNone/>
             </a:pPr>
-            <a:endParaRPr dirty="0"/>
-          </a:p>
-        </p:txBody>
-      </p:sp>
-    </p:spTree>
-  </p:cSld>
-  <p:clrMapOvr>
-    <a:masterClrMapping/>
-  </p:clrMapOvr>
-</p:sld>
-</file>
-
-<file path=ppt/slides/slide5.xml><?xml version="1.0" encoding="utf-8"?>
-<p:sld xmlns:a="http://schemas.openxmlformats.org/drawingml/2006/main" xmlns:r="http://schemas.openxmlformats.org/officeDocument/2006/relationships" xmlns:p="http://schemas.openxmlformats.org/presentationml/2006/main">
-  <p:cSld>
-    <p:spTree>
-      <p:nvGrpSpPr>
-        <p:cNvPr id="1" name="Shape 242"/>
-        <p:cNvGrpSpPr/>
-        <p:nvPr/>
-      </p:nvGrpSpPr>
-      <p:grpSpPr>
-        <a:xfrm>
-          <a:off x="0" y="0"/>
-          <a:ext cx="0" cy="0"/>
-          <a:chOff x="0" y="0"/>
-          <a:chExt cx="0" cy="0"/>
-        </a:xfrm>
-      </p:grpSpPr>
-      <p:sp>
-        <p:nvSpPr>
-          <p:cNvPr id="243" name="Google Shape;243;p5"/>
-          <p:cNvSpPr txBox="1">
-            <a:spLocks noGrp="1"/>
-          </p:cNvSpPr>
-          <p:nvPr>
-            <p:ph type="title"/>
-          </p:nvPr>
-        </p:nvSpPr>
-        <p:spPr>
-          <a:xfrm>
-            <a:off x="964023" y="879063"/>
-            <a:ext cx="4941477" cy="610863"/>
-          </a:xfrm>
-          <a:prstGeom prst="rect">
-            <a:avLst/>
-          </a:prstGeom>
-          <a:noFill/>
-          <a:ln>
-            <a:noFill/>
-          </a:ln>
-        </p:spPr>
-        <p:txBody>
-          <a:bodyPr spcFirstLastPara="1" wrap="square" lIns="0" tIns="0" rIns="0" bIns="0" anchor="b" anchorCtr="0">
-            <a:normAutofit/>
-          </a:bodyPr>
-          <a:lstStyle/>
-          <a:p>
-            <a:pPr marL="0" lvl="0" indent="0" algn="l" rtl="0">
-              <a:lnSpc>
-                <a:spcPct val="90000"/>
-              </a:lnSpc>
-              <a:spcBef>
-                <a:spcPts val="0"/>
-              </a:spcBef>
-              <a:spcAft>
-                <a:spcPts val="0"/>
-              </a:spcAft>
-              <a:buClr>
-                <a:schemeClr val="dk1"/>
-              </a:buClr>
-              <a:buSzPts val="4400"/>
-              <a:buFont typeface="Franklin Gothic"/>
-              <a:buNone/>
-            </a:pPr>
-            <a:r>
-              <a:rPr lang="en-US" dirty="0"/>
-              <a:t>Important Pointers</a:t>
-            </a:r>
-            <a:endParaRPr dirty="0"/>
-          </a:p>
-        </p:txBody>
-      </p:sp>
-      <p:sp>
-        <p:nvSpPr>
-          <p:cNvPr id="244" name="Google Shape;244;p5"/>
-          <p:cNvSpPr txBox="1">
-            <a:spLocks noGrp="1"/>
-          </p:cNvSpPr>
-          <p:nvPr>
-            <p:ph type="body" idx="2"/>
-          </p:nvPr>
-        </p:nvSpPr>
-        <p:spPr>
-          <a:xfrm>
-            <a:off x="952500" y="2286000"/>
-            <a:ext cx="4838700" cy="315915"/>
-          </a:xfrm>
-          <a:prstGeom prst="rect">
-            <a:avLst/>
-          </a:prstGeom>
-          <a:noFill/>
-          <a:ln>
-            <a:noFill/>
-          </a:ln>
-        </p:spPr>
-        <p:txBody>
-          <a:bodyPr spcFirstLastPara="1" wrap="square" lIns="91425" tIns="45700" rIns="91425" bIns="45700" anchor="t" anchorCtr="0">
-            <a:noAutofit/>
-          </a:bodyPr>
-          <a:lstStyle/>
-          <a:p>
-            <a:pPr marL="228600" lvl="0" indent="-228600" algn="l" rtl="0">
-              <a:lnSpc>
-                <a:spcPct val="90000"/>
-              </a:lnSpc>
-              <a:spcBef>
-                <a:spcPts val="0"/>
-              </a:spcBef>
-              <a:spcAft>
-                <a:spcPts val="0"/>
-              </a:spcAft>
-              <a:buClr>
-                <a:schemeClr val="lt2"/>
-              </a:buClr>
-              <a:buSzPts val="1800"/>
-              <a:buNone/>
-            </a:pPr>
-            <a:r>
-              <a:rPr lang="en-US" dirty="0"/>
-              <a:t>Please ensure below pointers are met while  </a:t>
-            </a:r>
-            <a:endParaRPr dirty="0"/>
-          </a:p>
-        </p:txBody>
-      </p:sp>
-      <p:sp>
-        <p:nvSpPr>
-          <p:cNvPr id="245" name="Google Shape;245;p5"/>
-          <p:cNvSpPr txBox="1">
-            <a:spLocks noGrp="1"/>
-          </p:cNvSpPr>
-          <p:nvPr>
-            <p:ph type="body" idx="1"/>
-          </p:nvPr>
-        </p:nvSpPr>
-        <p:spPr>
-          <a:xfrm>
-            <a:off x="952499" y="2656903"/>
-            <a:ext cx="10572561" cy="3922968"/>
-          </a:xfrm>
-          <a:prstGeom prst="rect">
-            <a:avLst/>
-          </a:prstGeom>
-          <a:noFill/>
-          <a:ln>
-            <a:noFill/>
-          </a:ln>
-        </p:spPr>
-        <p:txBody>
-          <a:bodyPr spcFirstLastPara="1" wrap="square" lIns="91425" tIns="45700" rIns="91425" bIns="45700" anchor="t" anchorCtr="0">
-            <a:noAutofit/>
-          </a:bodyPr>
-          <a:lstStyle/>
-          <a:p>
-            <a:pPr marL="285750" lvl="0" indent="-285750" algn="l" rtl="0">
-              <a:lnSpc>
-                <a:spcPct val="90000"/>
-              </a:lnSpc>
-              <a:spcBef>
-                <a:spcPts val="0"/>
-              </a:spcBef>
-              <a:spcAft>
-                <a:spcPts val="0"/>
-              </a:spcAft>
-              <a:buClr>
-                <a:schemeClr val="dk1"/>
-              </a:buClr>
-              <a:buSzPts val="1600"/>
-              <a:buFont typeface="Noto Sans Symbols"/>
-              <a:buChar char="⮚"/>
-            </a:pPr>
-            <a:r>
-              <a:rPr lang="en-US" dirty="0"/>
-              <a:t>Kindly keep the maximum slides limit to 4 pages</a:t>
-            </a:r>
-            <a:endParaRPr dirty="0"/>
-          </a:p>
-          <a:p>
-            <a:pPr marL="285750" lvl="0" indent="-285750" algn="l" rtl="0">
-              <a:lnSpc>
-                <a:spcPct val="90000"/>
-              </a:lnSpc>
-              <a:spcBef>
-                <a:spcPts val="1000"/>
-              </a:spcBef>
-              <a:spcAft>
-                <a:spcPts val="0"/>
-              </a:spcAft>
-              <a:buClr>
-                <a:schemeClr val="dk1"/>
-              </a:buClr>
-              <a:buSzPts val="1600"/>
-              <a:buFont typeface="Noto Sans Symbols"/>
-              <a:buChar char="⮚"/>
-            </a:pPr>
-            <a:r>
-              <a:rPr lang="en-US" dirty="0"/>
-              <a:t>All the topics should be utilized for description of your idea</a:t>
-            </a:r>
-            <a:endParaRPr dirty="0"/>
-          </a:p>
-          <a:p>
-            <a:pPr marL="285750" lvl="0" indent="-285750" algn="l" rtl="0">
-              <a:lnSpc>
-                <a:spcPct val="90000"/>
-              </a:lnSpc>
-              <a:spcBef>
-                <a:spcPts val="1000"/>
-              </a:spcBef>
-              <a:spcAft>
-                <a:spcPts val="0"/>
-              </a:spcAft>
-              <a:buClr>
-                <a:schemeClr val="dk1"/>
-              </a:buClr>
-              <a:buSzPts val="1600"/>
-              <a:buFont typeface="Noto Sans Symbols"/>
-              <a:buChar char="⮚"/>
-            </a:pPr>
-            <a:r>
-              <a:rPr lang="en-US" dirty="0"/>
-              <a:t>Try to avoid paragraphs and post your idea in points</a:t>
-            </a:r>
-            <a:endParaRPr dirty="0"/>
-          </a:p>
-          <a:p>
-            <a:pPr marL="285750" lvl="0" indent="-285750" algn="l" rtl="0">
-              <a:lnSpc>
-                <a:spcPct val="90000"/>
-              </a:lnSpc>
-              <a:spcBef>
-                <a:spcPts val="1000"/>
-              </a:spcBef>
-              <a:spcAft>
-                <a:spcPts val="0"/>
-              </a:spcAft>
-              <a:buClr>
-                <a:schemeClr val="dk1"/>
-              </a:buClr>
-              <a:buSzPts val="1600"/>
-              <a:buFont typeface="Noto Sans Symbols"/>
-              <a:buChar char="⮚"/>
-            </a:pPr>
-            <a:r>
-              <a:rPr lang="en-US" dirty="0"/>
-              <a:t>Keep your explanation precisely and easy to understand</a:t>
-            </a:r>
-            <a:endParaRPr dirty="0"/>
-          </a:p>
-          <a:p>
-            <a:pPr marL="285750" lvl="0" indent="-285750" algn="l" rtl="0">
-              <a:lnSpc>
-                <a:spcPct val="90000"/>
-              </a:lnSpc>
-              <a:spcBef>
-                <a:spcPts val="1000"/>
-              </a:spcBef>
-              <a:spcAft>
-                <a:spcPts val="0"/>
-              </a:spcAft>
-              <a:buClr>
-                <a:schemeClr val="dk1"/>
-              </a:buClr>
-              <a:buSzPts val="1600"/>
-              <a:buFont typeface="Noto Sans Symbols"/>
-              <a:buChar char="⮚"/>
-            </a:pPr>
-            <a:r>
-              <a:rPr lang="en-US" dirty="0"/>
-              <a:t>Idea should be unique and novel. If it has a business potential more weightage will be given. </a:t>
-            </a:r>
-            <a:endParaRPr dirty="0"/>
-          </a:p>
-          <a:p>
-            <a:pPr marL="285750" lvl="0" indent="-285750" algn="l" rtl="0">
-              <a:lnSpc>
-                <a:spcPct val="90000"/>
-              </a:lnSpc>
-              <a:spcBef>
-                <a:spcPts val="1000"/>
-              </a:spcBef>
-              <a:spcAft>
-                <a:spcPts val="0"/>
-              </a:spcAft>
-              <a:buClr>
-                <a:schemeClr val="dk1"/>
-              </a:buClr>
-              <a:buSzPts val="1600"/>
-              <a:buFont typeface="Noto Sans Symbols"/>
-              <a:buChar char="⮚"/>
-            </a:pPr>
-            <a:r>
-              <a:rPr lang="en-US" dirty="0"/>
-              <a:t>Apart from this PPT abstract of your idea will be asked separately while submitting</a:t>
-            </a:r>
-            <a:endParaRPr dirty="0"/>
-          </a:p>
-          <a:p>
-            <a:pPr marL="285750" lvl="0" indent="-285750" algn="l" rtl="0">
-              <a:lnSpc>
-                <a:spcPct val="90000"/>
-              </a:lnSpc>
-              <a:spcBef>
-                <a:spcPts val="1000"/>
-              </a:spcBef>
-              <a:spcAft>
-                <a:spcPts val="0"/>
-              </a:spcAft>
-              <a:buClr>
-                <a:schemeClr val="dk1"/>
-              </a:buClr>
-              <a:buSzPts val="1600"/>
-              <a:buFont typeface="Noto Sans Symbols"/>
-              <a:buChar char="⮚"/>
-            </a:pPr>
-            <a:r>
-              <a:rPr lang="en-US" dirty="0"/>
-              <a:t>You need to save the file in PDF and upload the same on portal. No PPT, Word Doc or any other format will be supported</a:t>
-            </a:r>
-            <a:endParaRPr dirty="0"/>
-          </a:p>
-          <a:p>
-            <a:pPr marL="285750" lvl="0" indent="-285750" algn="l" rtl="0">
-              <a:lnSpc>
-                <a:spcPct val="90000"/>
-              </a:lnSpc>
-              <a:spcBef>
-                <a:spcPts val="1000"/>
-              </a:spcBef>
-              <a:spcAft>
-                <a:spcPts val="0"/>
-              </a:spcAft>
-              <a:buClr>
-                <a:schemeClr val="dk1"/>
-              </a:buClr>
-              <a:buSzPts val="1600"/>
-              <a:buFont typeface="Noto Sans Symbols"/>
-              <a:buChar char="⮚"/>
-            </a:pPr>
-            <a:r>
-              <a:rPr lang="en-US" dirty="0"/>
-              <a:t>You can delete this slide (Important Pointers) when you upload the details of your idea on SIH portal.</a:t>
-            </a:r>
-            <a:endParaRPr dirty="0"/>
-          </a:p>
-        </p:txBody>
-      </p:sp>
-      <p:sp>
-        <p:nvSpPr>
-          <p:cNvPr id="246" name="Google Shape;246;p5"/>
-          <p:cNvSpPr txBox="1">
-            <a:spLocks noGrp="1"/>
-          </p:cNvSpPr>
-          <p:nvPr>
-            <p:ph type="sldNum" idx="12"/>
-          </p:nvPr>
-        </p:nvSpPr>
-        <p:spPr>
-          <a:xfrm>
-            <a:off x="971550" y="6332220"/>
-            <a:ext cx="523240" cy="247651"/>
-          </a:xfrm>
-          <a:prstGeom prst="rect">
-            <a:avLst/>
-          </a:prstGeom>
-          <a:noFill/>
-          <a:ln>
-            <a:noFill/>
-          </a:ln>
-        </p:spPr>
-        <p:txBody>
-          <a:bodyPr spcFirstLastPara="1" wrap="square" lIns="0" tIns="0" rIns="0" bIns="0" anchor="t" anchorCtr="0">
-            <a:noAutofit/>
-          </a:bodyPr>
-          <a:lstStyle/>
-          <a:p>
-            <a:pPr marL="0" lvl="0" indent="0" algn="l" rtl="0">
-              <a:spcBef>
-                <a:spcPts val="0"/>
-              </a:spcBef>
-              <a:spcAft>
-                <a:spcPts val="0"/>
-              </a:spcAft>
-              <a:buNone/>
-            </a:pPr>
-            <a:fld id="{00000000-1234-1234-1234-123412341234}" type="slidenum">
-              <a:rPr lang="en-US"/>
-              <a:t>5</a:t>
-            </a:fld>
             <a:endParaRPr dirty="0"/>
           </a:p>
         </p:txBody>
